--- a/Piloting/multi_category/Stimuli/Consent/Consent.pptx
+++ b/Piloting/multi_category/Stimuli/Consent/Consent.pptx
@@ -197,7 +197,7 @@
           <a:p>
             <a:fld id="{2286492A-2CA2-E643-8AA6-7A3DBD9E2B39}" type="datetimeFigureOut">
               <a:rPr lang="en-US" smtClean="0"/>
-              <a:t>6/26/23</a:t>
+              <a:t>7/25/23</a:t>
             </a:fld>
             <a:endParaRPr lang="en-US"/>
           </a:p>
@@ -695,7 +695,7 @@
           <a:p>
             <a:fld id="{BA5230AD-8316-4848-86F6-EF97FAB217B6}" type="datetimeFigureOut">
               <a:rPr lang="en-US" smtClean="0"/>
-              <a:t>6/26/23</a:t>
+              <a:t>7/25/23</a:t>
             </a:fld>
             <a:endParaRPr lang="en-US"/>
           </a:p>
@@ -893,7 +893,7 @@
           <a:p>
             <a:fld id="{BA5230AD-8316-4848-86F6-EF97FAB217B6}" type="datetimeFigureOut">
               <a:rPr lang="en-US" smtClean="0"/>
-              <a:t>6/26/23</a:t>
+              <a:t>7/25/23</a:t>
             </a:fld>
             <a:endParaRPr lang="en-US"/>
           </a:p>
@@ -1101,7 +1101,7 @@
           <a:p>
             <a:fld id="{BA5230AD-8316-4848-86F6-EF97FAB217B6}" type="datetimeFigureOut">
               <a:rPr lang="en-US" smtClean="0"/>
-              <a:t>6/26/23</a:t>
+              <a:t>7/25/23</a:t>
             </a:fld>
             <a:endParaRPr lang="en-US"/>
           </a:p>
@@ -1299,7 +1299,7 @@
           <a:p>
             <a:fld id="{BA5230AD-8316-4848-86F6-EF97FAB217B6}" type="datetimeFigureOut">
               <a:rPr lang="en-US" smtClean="0"/>
-              <a:t>6/26/23</a:t>
+              <a:t>7/25/23</a:t>
             </a:fld>
             <a:endParaRPr lang="en-US"/>
           </a:p>
@@ -1574,7 +1574,7 @@
           <a:p>
             <a:fld id="{BA5230AD-8316-4848-86F6-EF97FAB217B6}" type="datetimeFigureOut">
               <a:rPr lang="en-US" smtClean="0"/>
-              <a:t>6/26/23</a:t>
+              <a:t>7/25/23</a:t>
             </a:fld>
             <a:endParaRPr lang="en-US"/>
           </a:p>
@@ -1839,7 +1839,7 @@
           <a:p>
             <a:fld id="{BA5230AD-8316-4848-86F6-EF97FAB217B6}" type="datetimeFigureOut">
               <a:rPr lang="en-US" smtClean="0"/>
-              <a:t>6/26/23</a:t>
+              <a:t>7/25/23</a:t>
             </a:fld>
             <a:endParaRPr lang="en-US"/>
           </a:p>
@@ -2251,7 +2251,7 @@
           <a:p>
             <a:fld id="{BA5230AD-8316-4848-86F6-EF97FAB217B6}" type="datetimeFigureOut">
               <a:rPr lang="en-US" smtClean="0"/>
-              <a:t>6/26/23</a:t>
+              <a:t>7/25/23</a:t>
             </a:fld>
             <a:endParaRPr lang="en-US"/>
           </a:p>
@@ -2392,7 +2392,7 @@
           <a:p>
             <a:fld id="{BA5230AD-8316-4848-86F6-EF97FAB217B6}" type="datetimeFigureOut">
               <a:rPr lang="en-US" smtClean="0"/>
-              <a:t>6/26/23</a:t>
+              <a:t>7/25/23</a:t>
             </a:fld>
             <a:endParaRPr lang="en-US"/>
           </a:p>
@@ -2505,7 +2505,7 @@
           <a:p>
             <a:fld id="{BA5230AD-8316-4848-86F6-EF97FAB217B6}" type="datetimeFigureOut">
               <a:rPr lang="en-US" smtClean="0"/>
-              <a:t>6/26/23</a:t>
+              <a:t>7/25/23</a:t>
             </a:fld>
             <a:endParaRPr lang="en-US"/>
           </a:p>
@@ -2816,7 +2816,7 @@
           <a:p>
             <a:fld id="{BA5230AD-8316-4848-86F6-EF97FAB217B6}" type="datetimeFigureOut">
               <a:rPr lang="en-US" smtClean="0"/>
-              <a:t>6/26/23</a:t>
+              <a:t>7/25/23</a:t>
             </a:fld>
             <a:endParaRPr lang="en-US"/>
           </a:p>
@@ -3104,7 +3104,7 @@
           <a:p>
             <a:fld id="{BA5230AD-8316-4848-86F6-EF97FAB217B6}" type="datetimeFigureOut">
               <a:rPr lang="en-US" smtClean="0"/>
-              <a:t>6/26/23</a:t>
+              <a:t>7/25/23</a:t>
             </a:fld>
             <a:endParaRPr lang="en-US"/>
           </a:p>
@@ -3345,7 +3345,7 @@
           <a:p>
             <a:fld id="{BA5230AD-8316-4848-86F6-EF97FAB217B6}" type="datetimeFigureOut">
               <a:rPr lang="en-US" smtClean="0"/>
-              <a:t>6/26/23</a:t>
+              <a:t>7/25/23</a:t>
             </a:fld>
             <a:endParaRPr lang="en-US"/>
           </a:p>
@@ -3844,10 +3844,10 @@
       </p:grpSp>
       <p:pic>
         <p:nvPicPr>
-          <p:cNvPr id="4" name="Picture 3">
-            <a:extLst>
-              <a:ext uri="{FF2B5EF4-FFF2-40B4-BE49-F238E27FC236}">
-                <a16:creationId xmlns:a16="http://schemas.microsoft.com/office/drawing/2014/main" id="{A3394F7D-05CC-E200-378C-B06F658D296A}"/>
+          <p:cNvPr id="2" name="Picture 1">
+            <a:extLst>
+              <a:ext uri="{FF2B5EF4-FFF2-40B4-BE49-F238E27FC236}">
+                <a16:creationId xmlns:a16="http://schemas.microsoft.com/office/drawing/2014/main" id="{53C08AD5-30AA-2B60-9961-B5A376486C07}"/>
               </a:ext>
             </a:extLst>
           </p:cNvPr>
@@ -3864,8 +3864,8 @@
         </p:blipFill>
         <p:spPr>
           <a:xfrm>
-            <a:off x="7470446" y="5990155"/>
-            <a:ext cx="2622137" cy="515830"/>
+            <a:off x="7593330" y="6026829"/>
+            <a:ext cx="2453496" cy="427069"/>
           </a:xfrm>
           <a:prstGeom prst="rect">
             <a:avLst/>

--- a/Piloting/multi_category/Stimuli/Consent/Consent.pptx
+++ b/Piloting/multi_category/Stimuli/Consent/Consent.pptx
@@ -3764,10 +3764,10 @@
       </p:grpSpPr>
       <p:grpSp>
         <p:nvGrpSpPr>
-          <p:cNvPr id="10" name="Group 9">
-            <a:extLst>
-              <a:ext uri="{FF2B5EF4-FFF2-40B4-BE49-F238E27FC236}">
-                <a16:creationId xmlns:a16="http://schemas.microsoft.com/office/drawing/2014/main" id="{5FE38FA2-2183-8849-9938-C0645653CC66}"/>
+          <p:cNvPr id="5" name="Group 4">
+            <a:extLst>
+              <a:ext uri="{FF2B5EF4-FFF2-40B4-BE49-F238E27FC236}">
+                <a16:creationId xmlns:a16="http://schemas.microsoft.com/office/drawing/2014/main" id="{72FBEDD9-F4D1-E0DF-5DD0-BB3813C386EC}"/>
               </a:ext>
             </a:extLst>
           </p:cNvPr>
@@ -3778,16 +3778,96 @@
           <a:xfrm>
             <a:off x="4126717" y="-8984811"/>
             <a:ext cx="5969703" cy="15490796"/>
-            <a:chOff x="3628776" y="-4648201"/>
+            <a:chOff x="4126717" y="-8984811"/>
             <a:chExt cx="5969703" cy="15490796"/>
           </a:xfrm>
         </p:grpSpPr>
+        <p:grpSp>
+          <p:nvGrpSpPr>
+            <p:cNvPr id="10" name="Group 9">
+              <a:extLst>
+                <a:ext uri="{FF2B5EF4-FFF2-40B4-BE49-F238E27FC236}">
+                  <a16:creationId xmlns:a16="http://schemas.microsoft.com/office/drawing/2014/main" id="{5FE38FA2-2183-8849-9938-C0645653CC66}"/>
+                </a:ext>
+              </a:extLst>
+            </p:cNvPr>
+            <p:cNvGrpSpPr/>
+            <p:nvPr/>
+          </p:nvGrpSpPr>
+          <p:grpSpPr>
+            <a:xfrm>
+              <a:off x="4126717" y="-8984811"/>
+              <a:ext cx="5969703" cy="15490796"/>
+              <a:chOff x="3628776" y="-4648201"/>
+              <a:chExt cx="5969703" cy="15490796"/>
+            </a:xfrm>
+          </p:grpSpPr>
+          <p:pic>
+            <p:nvPicPr>
+              <p:cNvPr id="3" name="Picture 2">
+                <a:extLst>
+                  <a:ext uri="{FF2B5EF4-FFF2-40B4-BE49-F238E27FC236}">
+                    <a16:creationId xmlns:a16="http://schemas.microsoft.com/office/drawing/2014/main" id="{AB3AB18A-4E4F-1242-8342-B6B191D82186}"/>
+                  </a:ext>
+                </a:extLst>
+              </p:cNvPr>
+              <p:cNvPicPr>
+                <a:picLocks noChangeAspect="1"/>
+              </p:cNvPicPr>
+              <p:nvPr/>
+            </p:nvPicPr>
+            <p:blipFill>
+              <a:blip r:embed="rId3"/>
+              <a:stretch>
+                <a:fillRect/>
+              </a:stretch>
+            </p:blipFill>
+            <p:spPr>
+              <a:xfrm>
+                <a:off x="3628776" y="2943251"/>
+                <a:ext cx="5965866" cy="7899344"/>
+              </a:xfrm>
+              <a:prstGeom prst="rect">
+                <a:avLst/>
+              </a:prstGeom>
+            </p:spPr>
+          </p:pic>
+          <p:pic>
+            <p:nvPicPr>
+              <p:cNvPr id="8" name="Picture 7">
+                <a:extLst>
+                  <a:ext uri="{FF2B5EF4-FFF2-40B4-BE49-F238E27FC236}">
+                    <a16:creationId xmlns:a16="http://schemas.microsoft.com/office/drawing/2014/main" id="{47F90619-015A-EE45-9A15-4C03E0BDED52}"/>
+                  </a:ext>
+                </a:extLst>
+              </p:cNvPr>
+              <p:cNvPicPr>
+                <a:picLocks noChangeAspect="1"/>
+              </p:cNvPicPr>
+              <p:nvPr/>
+            </p:nvPicPr>
+            <p:blipFill rotWithShape="1">
+              <a:blip r:embed="rId4"/>
+              <a:srcRect b="8586"/>
+              <a:stretch/>
+            </p:blipFill>
+            <p:spPr>
+              <a:xfrm>
+                <a:off x="3632613" y="-4648201"/>
+                <a:ext cx="5965866" cy="7591452"/>
+              </a:xfrm>
+              <a:prstGeom prst="rect">
+                <a:avLst/>
+              </a:prstGeom>
+            </p:spPr>
+          </p:pic>
+        </p:grpSp>
         <p:pic>
           <p:nvPicPr>
-            <p:cNvPr id="3" name="Picture 2">
+            <p:cNvPr id="2" name="Picture 1">
               <a:extLst>
                 <a:ext uri="{FF2B5EF4-FFF2-40B4-BE49-F238E27FC236}">
-                  <a16:creationId xmlns:a16="http://schemas.microsoft.com/office/drawing/2014/main" id="{AB3AB18A-4E4F-1242-8342-B6B191D82186}"/>
+                  <a16:creationId xmlns:a16="http://schemas.microsoft.com/office/drawing/2014/main" id="{53C08AD5-30AA-2B60-9961-B5A376486C07}"/>
                 </a:ext>
               </a:extLst>
             </p:cNvPr>
@@ -3797,44 +3877,15 @@
             <p:nvPr/>
           </p:nvPicPr>
           <p:blipFill>
-            <a:blip r:embed="rId3"/>
+            <a:blip r:embed="rId5"/>
             <a:stretch>
               <a:fillRect/>
             </a:stretch>
           </p:blipFill>
           <p:spPr>
             <a:xfrm>
-              <a:off x="3628776" y="2943251"/>
-              <a:ext cx="5965866" cy="7899344"/>
-            </a:xfrm>
-            <a:prstGeom prst="rect">
-              <a:avLst/>
-            </a:prstGeom>
-          </p:spPr>
-        </p:pic>
-        <p:pic>
-          <p:nvPicPr>
-            <p:cNvPr id="8" name="Picture 7">
-              <a:extLst>
-                <a:ext uri="{FF2B5EF4-FFF2-40B4-BE49-F238E27FC236}">
-                  <a16:creationId xmlns:a16="http://schemas.microsoft.com/office/drawing/2014/main" id="{47F90619-015A-EE45-9A15-4C03E0BDED52}"/>
-                </a:ext>
-              </a:extLst>
-            </p:cNvPr>
-            <p:cNvPicPr>
-              <a:picLocks noChangeAspect="1"/>
-            </p:cNvPicPr>
-            <p:nvPr/>
-          </p:nvPicPr>
-          <p:blipFill rotWithShape="1">
-            <a:blip r:embed="rId4"/>
-            <a:srcRect b="8586"/>
-            <a:stretch/>
-          </p:blipFill>
-          <p:spPr>
-            <a:xfrm>
-              <a:off x="3632613" y="-4648201"/>
-              <a:ext cx="5965866" cy="7591452"/>
+              <a:off x="7593330" y="6026829"/>
+              <a:ext cx="2453496" cy="427069"/>
             </a:xfrm>
             <a:prstGeom prst="rect">
               <a:avLst/>
@@ -3842,36 +3893,6 @@
           </p:spPr>
         </p:pic>
       </p:grpSp>
-      <p:pic>
-        <p:nvPicPr>
-          <p:cNvPr id="2" name="Picture 1">
-            <a:extLst>
-              <a:ext uri="{FF2B5EF4-FFF2-40B4-BE49-F238E27FC236}">
-                <a16:creationId xmlns:a16="http://schemas.microsoft.com/office/drawing/2014/main" id="{53C08AD5-30AA-2B60-9961-B5A376486C07}"/>
-              </a:ext>
-            </a:extLst>
-          </p:cNvPr>
-          <p:cNvPicPr>
-            <a:picLocks noChangeAspect="1"/>
-          </p:cNvPicPr>
-          <p:nvPr/>
-        </p:nvPicPr>
-        <p:blipFill>
-          <a:blip r:embed="rId5"/>
-          <a:stretch>
-            <a:fillRect/>
-          </a:stretch>
-        </p:blipFill>
-        <p:spPr>
-          <a:xfrm>
-            <a:off x="7593330" y="6026829"/>
-            <a:ext cx="2453496" cy="427069"/>
-          </a:xfrm>
-          <a:prstGeom prst="rect">
-            <a:avLst/>
-          </a:prstGeom>
-        </p:spPr>
-      </p:pic>
     </p:spTree>
     <p:extLst>
       <p:ext uri="{BB962C8B-B14F-4D97-AF65-F5344CB8AC3E}">
